--- a/RoundTable Presentation.pptx
+++ b/RoundTable Presentation.pptx
@@ -246,7 +246,7 @@
   </p:defaultTextStyle>
   <p:extLst>
     <p:ext uri="{EFAFB233-063F-42B5-8137-9DF3F51BA10A}">
-      <p15:sldGuideLst xmlns:p15="http://schemas.microsoft.com/office/powerpoint/2012/main" xmlns:p14="http://schemas.microsoft.com/office/powerpoint/2010/main" xmlns:com="http://schemas.openxmlformats.org/drawingml/2006/compatibility" xmlns:pvml="urn:schemas-microsoft-com:office:powerpoint" xmlns:v="urn:schemas-microsoft-com:vml" xmlns:o="urn:schemas-microsoft-com:office:office" xmlns:dgm="http://schemas.openxmlformats.org/drawingml/2006/diagram" xmlns:c="http://schemas.openxmlformats.org/drawingml/2006/chart" xmlns:mv="urn:schemas-microsoft-com:mac:vml" xmlns:mc="http://schemas.openxmlformats.org/markup-compatibility/2006" xmlns="">
+      <p15:sldGuideLst xmlns="" xmlns:mc="http://schemas.openxmlformats.org/markup-compatibility/2006" xmlns:mv="urn:schemas-microsoft-com:mac:vml" xmlns:c="http://schemas.openxmlformats.org/drawingml/2006/chart" xmlns:dgm="http://schemas.openxmlformats.org/drawingml/2006/diagram" xmlns:o="urn:schemas-microsoft-com:office:office" xmlns:v="urn:schemas-microsoft-com:vml" xmlns:pvml="urn:schemas-microsoft-com:office:powerpoint" xmlns:com="http://schemas.openxmlformats.org/drawingml/2006/compatibility" xmlns:p14="http://schemas.microsoft.com/office/powerpoint/2010/main" xmlns:p15="http://schemas.microsoft.com/office/powerpoint/2012/main">
         <p15:guide id="1" orient="horz" pos="1620">
           <p15:clr>
             <a:srgbClr val="A4A3A4"/>
@@ -842,7 +842,7 @@
         </p:nvSpPr>
         <p:spPr>
           <a:xfrm>
-            <a:off x="381300" y="685800"/>
+            <a:off x="381000" y="685800"/>
             <a:ext cx="6096000" cy="3429000"/>
           </a:xfrm>
           <a:custGeom>
@@ -946,7 +946,7 @@
         </p:nvSpPr>
         <p:spPr>
           <a:xfrm>
-            <a:off x="381300" y="685800"/>
+            <a:off x="381000" y="685800"/>
             <a:ext cx="6096000" cy="3429000"/>
           </a:xfrm>
           <a:custGeom>
@@ -1059,7 +1059,7 @@
         </p:nvSpPr>
         <p:spPr>
           <a:xfrm>
-            <a:off x="381300" y="685800"/>
+            <a:off x="381000" y="685800"/>
             <a:ext cx="6096000" cy="3429000"/>
           </a:xfrm>
           <a:custGeom>
@@ -6842,7 +6842,11 @@
         </p:nvPicPr>
         <p:blipFill>
           <a:blip r:embed="rId3">
-            <a:alphaModFix/>
+            <a:extLst>
+              <a:ext uri="{28A0092B-C50C-407E-A947-70E740481C1C}">
+                <a14:useLocalDpi xmlns:a14="http://schemas.microsoft.com/office/drawing/2010/main" val="0"/>
+              </a:ext>
+            </a:extLst>
           </a:blip>
           <a:stretch>
             <a:fillRect/>
@@ -6850,8 +6854,8 @@
         </p:blipFill>
         <p:spPr>
           <a:xfrm>
-            <a:off x="3287725" y="648750"/>
-            <a:ext cx="2907825" cy="3991799"/>
+            <a:off x="3287725" y="668114"/>
+            <a:ext cx="2907825" cy="3953070"/>
           </a:xfrm>
           <a:prstGeom prst="rect">
             <a:avLst/>
@@ -6937,7 +6941,11 @@
         </p:nvPicPr>
         <p:blipFill>
           <a:blip r:embed="rId3">
-            <a:alphaModFix/>
+            <a:extLst>
+              <a:ext uri="{28A0092B-C50C-407E-A947-70E740481C1C}">
+                <a14:useLocalDpi xmlns:a14="http://schemas.microsoft.com/office/drawing/2010/main" val="0"/>
+              </a:ext>
+            </a:extLst>
           </a:blip>
           <a:stretch>
             <a:fillRect/>
@@ -6945,8 +6953,8 @@
         </p:blipFill>
         <p:spPr>
           <a:xfrm>
-            <a:off x="2825925" y="1050625"/>
-            <a:ext cx="4210999" cy="3892401"/>
+            <a:off x="2825925" y="1276202"/>
+            <a:ext cx="4210999" cy="3441246"/>
           </a:xfrm>
           <a:prstGeom prst="rect">
             <a:avLst/>
@@ -7032,7 +7040,11 @@
         </p:nvPicPr>
         <p:blipFill>
           <a:blip r:embed="rId3">
-            <a:alphaModFix/>
+            <a:extLst>
+              <a:ext uri="{28A0092B-C50C-407E-A947-70E740481C1C}">
+                <a14:useLocalDpi xmlns:a14="http://schemas.microsoft.com/office/drawing/2010/main" val="0"/>
+              </a:ext>
+            </a:extLst>
           </a:blip>
           <a:stretch>
             <a:fillRect/>
@@ -7040,8 +7052,8 @@
         </p:blipFill>
         <p:spPr>
           <a:xfrm>
-            <a:off x="3028450" y="990025"/>
-            <a:ext cx="3995850" cy="3825675"/>
+            <a:off x="3028450" y="1334159"/>
+            <a:ext cx="3995850" cy="3137406"/>
           </a:xfrm>
           <a:prstGeom prst="rect">
             <a:avLst/>
